--- a/UI.pptx
+++ b/UI.pptx
@@ -3834,7 +3834,7 @@
         </p:nvSpPr>
         <p:spPr>
           <a:xfrm>
-            <a:off x="7465152" y="1307592"/>
+            <a:off x="7473696" y="1619268"/>
             <a:ext cx="1947672" cy="523220"/>
           </a:xfrm>
           <a:prstGeom prst="rect">
@@ -3850,7 +3850,7 @@
           <a:p>
             <a:r>
               <a:rPr lang="zh-CN" altLang="en-US" sz="1400" dirty="0"/>
-              <a:t>○</a:t>
+              <a:t>☑</a:t>
             </a:r>
             <a:r>
               <a:rPr lang="zh-CN" altLang="en-US" sz="1400" dirty="0">
@@ -3872,7 +3872,7 @@
           <a:p>
             <a:r>
               <a:rPr lang="en-US" altLang="zh-CN" sz="1400" dirty="0"/>
-              <a:t>○Android</a:t>
+              <a:t>□Android</a:t>
             </a:r>
             <a:r>
               <a:rPr lang="zh-CN" altLang="en-US" sz="1400" dirty="0"/>
@@ -3903,7 +3903,7 @@
         </p:nvCxnSpPr>
         <p:spPr>
           <a:xfrm>
-            <a:off x="7465152" y="1938528"/>
+            <a:off x="7473696" y="2250204"/>
             <a:ext cx="1870872" cy="0"/>
           </a:xfrm>
           <a:prstGeom prst="line">
@@ -3939,7 +3939,7 @@
         </p:nvSpPr>
         <p:spPr>
           <a:xfrm>
-            <a:off x="8851392" y="963739"/>
+            <a:off x="8710560" y="963739"/>
             <a:ext cx="969264" cy="307777"/>
           </a:xfrm>
           <a:prstGeom prst="rect">
@@ -3955,7 +3955,7 @@
           <a:p>
             <a:r>
               <a:rPr lang="zh-CN" altLang="en-US" sz="1400" dirty="0"/>
-              <a:t>周 月</a:t>
+              <a:t>周   月</a:t>
             </a:r>
           </a:p>
         </p:txBody>
@@ -3974,8 +3974,8 @@
         </p:nvSpPr>
         <p:spPr>
           <a:xfrm>
-            <a:off x="7465152" y="2144827"/>
-            <a:ext cx="1746504" cy="738664"/>
+            <a:off x="7473696" y="2456503"/>
+            <a:ext cx="1746504" cy="1169551"/>
           </a:xfrm>
           <a:prstGeom prst="rect">
             <a:avLst/>
@@ -3998,14 +3998,44 @@
             </a:r>
             <a:r>
               <a:rPr lang="en-US" altLang="zh-CN" sz="1400" dirty="0"/>
-              <a:t>8:04-9:04</a:t>
-            </a:r>
+              <a:t>8:04-9:04 </a:t>
+            </a:r>
+          </a:p>
+          <a:p>
+            <a:r>
+              <a:rPr lang="zh-CN" altLang="en-US" sz="1400" dirty="0">
+                <a:solidFill>
+                  <a:srgbClr val="FF0000"/>
+                </a:solidFill>
+              </a:rPr>
+              <a:t>日词</a:t>
+            </a:r>
+            <a:endParaRPr lang="en-US" altLang="zh-CN" sz="1400" dirty="0">
+              <a:solidFill>
+                <a:srgbClr val="FF0000"/>
+              </a:solidFill>
+            </a:endParaRPr>
           </a:p>
           <a:p>
             <a:r>
               <a:rPr lang="en-US" altLang="zh-CN" sz="1400" dirty="0"/>
-              <a:t>2h: 9:48-10:48</a:t>
-            </a:r>
+              <a:t>2h: 9:48-10:48 </a:t>
+            </a:r>
+          </a:p>
+          <a:p>
+            <a:r>
+              <a:rPr lang="zh-CN" altLang="en-US" sz="1400" dirty="0">
+                <a:solidFill>
+                  <a:srgbClr val="00B050"/>
+                </a:solidFill>
+              </a:rPr>
+              <a:t>日词</a:t>
+            </a:r>
+            <a:endParaRPr lang="en-US" altLang="zh-CN" sz="1400" dirty="0">
+              <a:solidFill>
+                <a:srgbClr val="00B050"/>
+              </a:solidFill>
+            </a:endParaRPr>
           </a:p>
           <a:p>
             <a:r>
@@ -4013,6 +4043,41 @@
               <a:t>3h: 13:52-14:52</a:t>
             </a:r>
             <a:endParaRPr lang="zh-CN" altLang="en-US" sz="1400" dirty="0"/>
+          </a:p>
+        </p:txBody>
+      </p:sp>
+      <p:sp>
+        <p:nvSpPr>
+          <p:cNvPr id="20" name="文本框 19">
+            <a:extLst>
+              <a:ext uri="{FF2B5EF4-FFF2-40B4-BE49-F238E27FC236}">
+                <a16:creationId xmlns:a16="http://schemas.microsoft.com/office/drawing/2014/main" id="{F84C2906-0BD1-805B-6E6E-7557F25D87C0}"/>
+              </a:ext>
+            </a:extLst>
+          </p:cNvPr>
+          <p:cNvSpPr txBox="1"/>
+          <p:nvPr/>
+        </p:nvSpPr>
+        <p:spPr>
+          <a:xfrm>
+            <a:off x="7473696" y="1280714"/>
+            <a:ext cx="710808" cy="276999"/>
+          </a:xfrm>
+          <a:prstGeom prst="rect">
+            <a:avLst/>
+          </a:prstGeom>
+          <a:noFill/>
+        </p:spPr>
+        <p:txBody>
+          <a:bodyPr wrap="square" rtlCol="0">
+            <a:spAutoFit/>
+          </a:bodyPr>
+          <a:lstStyle/>
+          <a:p>
+            <a:r>
+              <a:rPr lang="zh-CN" altLang="en-US" sz="1200" dirty="0"/>
+              <a:t>编辑</a:t>
+            </a:r>
           </a:p>
         </p:txBody>
       </p:sp>
